--- a/Training Presentation/Industrial Training.pptx
+++ b/Training Presentation/Industrial Training.pptx
@@ -7294,6 +7294,46 @@
                 <a:sym typeface="Roboto"/>
               </a:endParaRPr>
             </a:p>
+            <a:p>
+              <a:pPr indent="-292100" lvl="0" marL="457200" rtl="0" algn="l">
+                <a:lnSpc>
+                  <a:spcPct val="115000"/>
+                </a:lnSpc>
+                <a:spcBef>
+                  <a:spcPts val="0"/>
+                </a:spcBef>
+                <a:spcAft>
+                  <a:spcPts val="0"/>
+                </a:spcAft>
+                <a:buClr>
+                  <a:srgbClr val="FFFFFF"/>
+                </a:buClr>
+                <a:buSzPts val="1000"/>
+                <a:buFont typeface="Roboto"/>
+                <a:buChar char="●"/>
+              </a:pPr>
+              <a:r>
+                <a:rPr lang="en" sz="1000">
+                  <a:solidFill>
+                    <a:srgbClr val="FFFFFF"/>
+                  </a:solidFill>
+                  <a:latin typeface="Roboto"/>
+                  <a:ea typeface="Roboto"/>
+                  <a:cs typeface="Roboto"/>
+                  <a:sym typeface="Roboto"/>
+                </a:rPr>
+                <a:t>Competitors who dominate the global market (KUKA)</a:t>
+              </a:r>
+              <a:endParaRPr sz="1000">
+                <a:solidFill>
+                  <a:srgbClr val="FFFFFF"/>
+                </a:solidFill>
+                <a:latin typeface="Roboto"/>
+                <a:ea typeface="Roboto"/>
+                <a:cs typeface="Roboto"/>
+                <a:sym typeface="Roboto"/>
+              </a:endParaRPr>
+            </a:p>
           </p:txBody>
         </p:sp>
         <p:sp>
@@ -9212,7 +9252,19 @@
             </a:pPr>
             <a:r>
               <a:rPr lang="en"/>
-              <a:t>Being a team player and completing the assigned tasks well in advance, is a must to be successful in product development in the current fast moving industry</a:t>
+              <a:t>Being a </a:t>
+            </a:r>
+            <a:r>
+              <a:rPr lang="en">
+                <a:solidFill>
+                  <a:srgbClr val="FF0000"/>
+                </a:solidFill>
+              </a:rPr>
+              <a:t>team player</a:t>
+            </a:r>
+            <a:r>
+              <a:rPr lang="en"/>
+              <a:t> and completing the assigned tasks well in advance, is a must to be successful in product development in the current fast moving industry</a:t>
             </a:r>
             <a:endParaRPr/>
           </a:p>
@@ -10480,7 +10532,7 @@
             </a:r>
             <a:r>
               <a:rPr lang="en" sz="1900"/>
-              <a:t> (traditional Computer Vision approach)</a:t>
+              <a:t> (a traditional Computer Vision approach)</a:t>
             </a:r>
             <a:endParaRPr sz="1900"/>
           </a:p>
